--- a/User Guide/NexTerm Chart.pptx
+++ b/User Guide/NexTerm Chart.pptx
@@ -17,6 +17,7 @@
     <p:sldId id="268" r:id="rId11"/>
     <p:sldId id="269" r:id="rId12"/>
     <p:sldId id="270" r:id="rId13"/>
+    <p:sldId id="271" r:id="rId14"/>
   </p:sldIdLst>
   <p:sldSz cx="12192000" cy="6858000"/>
   <p:notesSz cx="6858000" cy="9144000"/>
@@ -1511,7 +1512,7 @@
           <a:p>
             <a:fld id="{D45E84FB-53FF-45D7-8486-F83DD08C65B5}" type="datetimeFigureOut">
               <a:rPr lang="fa-IR" smtClean="0"/>
-              <a:t>14/12/1443</a:t>
+              <a:t>28/01/1444</a:t>
             </a:fld>
             <a:endParaRPr lang="fa-IR"/>
           </a:p>
@@ -1711,7 +1712,7 @@
           <a:p>
             <a:fld id="{D45E84FB-53FF-45D7-8486-F83DD08C65B5}" type="datetimeFigureOut">
               <a:rPr lang="fa-IR" smtClean="0"/>
-              <a:t>14/12/1443</a:t>
+              <a:t>28/01/1444</a:t>
             </a:fld>
             <a:endParaRPr lang="fa-IR"/>
           </a:p>
@@ -1921,7 +1922,7 @@
           <a:p>
             <a:fld id="{D45E84FB-53FF-45D7-8486-F83DD08C65B5}" type="datetimeFigureOut">
               <a:rPr lang="fa-IR" smtClean="0"/>
-              <a:t>14/12/1443</a:t>
+              <a:t>28/01/1444</a:t>
             </a:fld>
             <a:endParaRPr lang="fa-IR"/>
           </a:p>
@@ -2121,7 +2122,7 @@
           <a:p>
             <a:fld id="{D45E84FB-53FF-45D7-8486-F83DD08C65B5}" type="datetimeFigureOut">
               <a:rPr lang="fa-IR" smtClean="0"/>
-              <a:t>14/12/1443</a:t>
+              <a:t>28/01/1444</a:t>
             </a:fld>
             <a:endParaRPr lang="fa-IR"/>
           </a:p>
@@ -2397,7 +2398,7 @@
           <a:p>
             <a:fld id="{D45E84FB-53FF-45D7-8486-F83DD08C65B5}" type="datetimeFigureOut">
               <a:rPr lang="fa-IR" smtClean="0"/>
-              <a:t>14/12/1443</a:t>
+              <a:t>28/01/1444</a:t>
             </a:fld>
             <a:endParaRPr lang="fa-IR"/>
           </a:p>
@@ -2665,7 +2666,7 @@
           <a:p>
             <a:fld id="{D45E84FB-53FF-45D7-8486-F83DD08C65B5}" type="datetimeFigureOut">
               <a:rPr lang="fa-IR" smtClean="0"/>
-              <a:t>14/12/1443</a:t>
+              <a:t>28/01/1444</a:t>
             </a:fld>
             <a:endParaRPr lang="fa-IR"/>
           </a:p>
@@ -3080,7 +3081,7 @@
           <a:p>
             <a:fld id="{D45E84FB-53FF-45D7-8486-F83DD08C65B5}" type="datetimeFigureOut">
               <a:rPr lang="fa-IR" smtClean="0"/>
-              <a:t>14/12/1443</a:t>
+              <a:t>28/01/1444</a:t>
             </a:fld>
             <a:endParaRPr lang="fa-IR"/>
           </a:p>
@@ -3222,7 +3223,7 @@
           <a:p>
             <a:fld id="{D45E84FB-53FF-45D7-8486-F83DD08C65B5}" type="datetimeFigureOut">
               <a:rPr lang="fa-IR" smtClean="0"/>
-              <a:t>14/12/1443</a:t>
+              <a:t>28/01/1444</a:t>
             </a:fld>
             <a:endParaRPr lang="fa-IR"/>
           </a:p>
@@ -3335,7 +3336,7 @@
           <a:p>
             <a:fld id="{D45E84FB-53FF-45D7-8486-F83DD08C65B5}" type="datetimeFigureOut">
               <a:rPr lang="fa-IR" smtClean="0"/>
-              <a:t>14/12/1443</a:t>
+              <a:t>28/01/1444</a:t>
             </a:fld>
             <a:endParaRPr lang="fa-IR"/>
           </a:p>
@@ -3648,7 +3649,7 @@
           <a:p>
             <a:fld id="{D45E84FB-53FF-45D7-8486-F83DD08C65B5}" type="datetimeFigureOut">
               <a:rPr lang="fa-IR" smtClean="0"/>
-              <a:t>14/12/1443</a:t>
+              <a:t>28/01/1444</a:t>
             </a:fld>
             <a:endParaRPr lang="fa-IR"/>
           </a:p>
@@ -3937,7 +3938,7 @@
           <a:p>
             <a:fld id="{D45E84FB-53FF-45D7-8486-F83DD08C65B5}" type="datetimeFigureOut">
               <a:rPr lang="fa-IR" smtClean="0"/>
-              <a:t>14/12/1443</a:t>
+              <a:t>28/01/1444</a:t>
             </a:fld>
             <a:endParaRPr lang="fa-IR"/>
           </a:p>
@@ -4180,7 +4181,7 @@
           <a:p>
             <a:fld id="{D45E84FB-53FF-45D7-8486-F83DD08C65B5}" type="datetimeFigureOut">
               <a:rPr lang="fa-IR" smtClean="0"/>
-              <a:t>14/12/1443</a:t>
+              <a:t>28/01/1444</a:t>
             </a:fld>
             <a:endParaRPr lang="fa-IR"/>
           </a:p>
@@ -11567,6 +11568,537 @@
 </p:sld>
 </file>
 
+<file path=ppt/slides/slide13.xml><?xml version="1.0" encoding="utf-8"?>
+<p:sld xmlns:a="http://schemas.openxmlformats.org/drawingml/2006/main" xmlns:r="http://schemas.openxmlformats.org/officeDocument/2006/relationships" xmlns:p="http://schemas.openxmlformats.org/presentationml/2006/main">
+  <p:cSld>
+    <p:spTree>
+      <p:nvGrpSpPr>
+        <p:cNvPr id="1" name=""/>
+        <p:cNvGrpSpPr/>
+        <p:nvPr/>
+      </p:nvGrpSpPr>
+      <p:grpSpPr>
+        <a:xfrm>
+          <a:off x="0" y="0"/>
+          <a:ext cx="0" cy="0"/>
+          <a:chOff x="0" y="0"/>
+          <a:chExt cx="0" cy="0"/>
+        </a:xfrm>
+      </p:grpSpPr>
+      <p:grpSp>
+        <p:nvGrpSpPr>
+          <p:cNvPr id="15" name="Group 14">
+            <a:extLst>
+              <a:ext uri="{FF2B5EF4-FFF2-40B4-BE49-F238E27FC236}">
+                <a16:creationId xmlns:a16="http://schemas.microsoft.com/office/drawing/2014/main" id="{4628FA0D-567D-780A-53CF-FB16FF1ADFCB}"/>
+              </a:ext>
+            </a:extLst>
+          </p:cNvPr>
+          <p:cNvGrpSpPr/>
+          <p:nvPr/>
+        </p:nvGrpSpPr>
+        <p:grpSpPr>
+          <a:xfrm>
+            <a:off x="0" y="1012022"/>
+            <a:ext cx="12192000" cy="4833956"/>
+            <a:chOff x="0" y="1012022"/>
+            <a:chExt cx="12192000" cy="4833956"/>
+          </a:xfrm>
+        </p:grpSpPr>
+        <p:pic>
+          <p:nvPicPr>
+            <p:cNvPr id="5" name="Picture 4">
+              <a:extLst>
+                <a:ext uri="{FF2B5EF4-FFF2-40B4-BE49-F238E27FC236}">
+                  <a16:creationId xmlns:a16="http://schemas.microsoft.com/office/drawing/2014/main" id="{D9E66D27-30B3-CB9D-9554-F9A708B3EF07}"/>
+                </a:ext>
+              </a:extLst>
+            </p:cNvPr>
+            <p:cNvPicPr>
+              <a:picLocks noChangeAspect="1"/>
+            </p:cNvPicPr>
+            <p:nvPr/>
+          </p:nvPicPr>
+          <p:blipFill>
+            <a:blip r:embed="rId2"/>
+            <a:stretch>
+              <a:fillRect/>
+            </a:stretch>
+          </p:blipFill>
+          <p:spPr>
+            <a:xfrm>
+              <a:off x="0" y="1012022"/>
+              <a:ext cx="12192000" cy="4833956"/>
+            </a:xfrm>
+            <a:prstGeom prst="rect">
+              <a:avLst/>
+            </a:prstGeom>
+          </p:spPr>
+        </p:pic>
+        <p:sp>
+          <p:nvSpPr>
+            <p:cNvPr id="6" name="Oval 5">
+              <a:extLst>
+                <a:ext uri="{FF2B5EF4-FFF2-40B4-BE49-F238E27FC236}">
+                  <a16:creationId xmlns:a16="http://schemas.microsoft.com/office/drawing/2014/main" id="{6917B37A-1CAF-B8C0-D0CC-A9ECF864F7B2}"/>
+                </a:ext>
+              </a:extLst>
+            </p:cNvPr>
+            <p:cNvSpPr/>
+            <p:nvPr/>
+          </p:nvSpPr>
+          <p:spPr>
+            <a:xfrm>
+              <a:off x="10090433" y="1012022"/>
+              <a:ext cx="445639" cy="445639"/>
+            </a:xfrm>
+            <a:prstGeom prst="ellipse">
+              <a:avLst/>
+            </a:prstGeom>
+          </p:spPr>
+          <p:style>
+            <a:lnRef idx="2">
+              <a:schemeClr val="dk1">
+                <a:shade val="50000"/>
+              </a:schemeClr>
+            </a:lnRef>
+            <a:fillRef idx="1">
+              <a:schemeClr val="dk1"/>
+            </a:fillRef>
+            <a:effectRef idx="0">
+              <a:schemeClr val="dk1"/>
+            </a:effectRef>
+            <a:fontRef idx="minor">
+              <a:schemeClr val="lt1"/>
+            </a:fontRef>
+          </p:style>
+          <p:txBody>
+            <a:bodyPr rtlCol="1" anchor="ctr"/>
+            <a:lstStyle/>
+            <a:p>
+              <a:pPr algn="ctr"/>
+              <a:r>
+                <a:rPr lang="en-US" dirty="0"/>
+                <a:t>1</a:t>
+              </a:r>
+              <a:endParaRPr lang="fa-IR" dirty="0"/>
+            </a:p>
+          </p:txBody>
+        </p:sp>
+        <p:sp>
+          <p:nvSpPr>
+            <p:cNvPr id="7" name="Oval 6">
+              <a:extLst>
+                <a:ext uri="{FF2B5EF4-FFF2-40B4-BE49-F238E27FC236}">
+                  <a16:creationId xmlns:a16="http://schemas.microsoft.com/office/drawing/2014/main" id="{E94D1B75-D69E-5A95-E69E-F79D1D015F88}"/>
+                </a:ext>
+              </a:extLst>
+            </p:cNvPr>
+            <p:cNvSpPr/>
+            <p:nvPr/>
+          </p:nvSpPr>
+          <p:spPr>
+            <a:xfrm>
+              <a:off x="10090431" y="1603051"/>
+              <a:ext cx="445639" cy="445639"/>
+            </a:xfrm>
+            <a:prstGeom prst="ellipse">
+              <a:avLst/>
+            </a:prstGeom>
+          </p:spPr>
+          <p:style>
+            <a:lnRef idx="2">
+              <a:schemeClr val="dk1">
+                <a:shade val="50000"/>
+              </a:schemeClr>
+            </a:lnRef>
+            <a:fillRef idx="1">
+              <a:schemeClr val="dk1"/>
+            </a:fillRef>
+            <a:effectRef idx="0">
+              <a:schemeClr val="dk1"/>
+            </a:effectRef>
+            <a:fontRef idx="minor">
+              <a:schemeClr val="lt1"/>
+            </a:fontRef>
+          </p:style>
+          <p:txBody>
+            <a:bodyPr rtlCol="1" anchor="ctr"/>
+            <a:lstStyle/>
+            <a:p>
+              <a:pPr algn="ctr"/>
+              <a:r>
+                <a:rPr lang="en-US" dirty="0"/>
+                <a:t>2</a:t>
+              </a:r>
+              <a:endParaRPr lang="fa-IR" dirty="0"/>
+            </a:p>
+          </p:txBody>
+        </p:sp>
+        <p:sp>
+          <p:nvSpPr>
+            <p:cNvPr id="8" name="Oval 7">
+              <a:extLst>
+                <a:ext uri="{FF2B5EF4-FFF2-40B4-BE49-F238E27FC236}">
+                  <a16:creationId xmlns:a16="http://schemas.microsoft.com/office/drawing/2014/main" id="{76514EA6-131B-DB19-E654-C080DAD74B14}"/>
+                </a:ext>
+              </a:extLst>
+            </p:cNvPr>
+            <p:cNvSpPr/>
+            <p:nvPr/>
+          </p:nvSpPr>
+          <p:spPr>
+            <a:xfrm>
+              <a:off x="10090431" y="2494329"/>
+              <a:ext cx="445639" cy="445639"/>
+            </a:xfrm>
+            <a:prstGeom prst="ellipse">
+              <a:avLst/>
+            </a:prstGeom>
+          </p:spPr>
+          <p:style>
+            <a:lnRef idx="2">
+              <a:schemeClr val="dk1">
+                <a:shade val="50000"/>
+              </a:schemeClr>
+            </a:lnRef>
+            <a:fillRef idx="1">
+              <a:schemeClr val="dk1"/>
+            </a:fillRef>
+            <a:effectRef idx="0">
+              <a:schemeClr val="dk1"/>
+            </a:effectRef>
+            <a:fontRef idx="minor">
+              <a:schemeClr val="lt1"/>
+            </a:fontRef>
+          </p:style>
+          <p:txBody>
+            <a:bodyPr rtlCol="1" anchor="ctr"/>
+            <a:lstStyle/>
+            <a:p>
+              <a:pPr algn="ctr"/>
+              <a:r>
+                <a:rPr lang="en-US" dirty="0"/>
+                <a:t>3</a:t>
+              </a:r>
+              <a:endParaRPr lang="fa-IR" dirty="0"/>
+            </a:p>
+          </p:txBody>
+        </p:sp>
+        <p:sp>
+          <p:nvSpPr>
+            <p:cNvPr id="9" name="Oval 8">
+              <a:extLst>
+                <a:ext uri="{FF2B5EF4-FFF2-40B4-BE49-F238E27FC236}">
+                  <a16:creationId xmlns:a16="http://schemas.microsoft.com/office/drawing/2014/main" id="{276F7C8B-A44B-B3F0-E968-F93C7B004A2B}"/>
+                </a:ext>
+              </a:extLst>
+            </p:cNvPr>
+            <p:cNvSpPr/>
+            <p:nvPr/>
+          </p:nvSpPr>
+          <p:spPr>
+            <a:xfrm>
+              <a:off x="8609556" y="2494328"/>
+              <a:ext cx="445639" cy="445639"/>
+            </a:xfrm>
+            <a:prstGeom prst="ellipse">
+              <a:avLst/>
+            </a:prstGeom>
+          </p:spPr>
+          <p:style>
+            <a:lnRef idx="2">
+              <a:schemeClr val="dk1">
+                <a:shade val="50000"/>
+              </a:schemeClr>
+            </a:lnRef>
+            <a:fillRef idx="1">
+              <a:schemeClr val="dk1"/>
+            </a:fillRef>
+            <a:effectRef idx="0">
+              <a:schemeClr val="dk1"/>
+            </a:effectRef>
+            <a:fontRef idx="minor">
+              <a:schemeClr val="lt1"/>
+            </a:fontRef>
+          </p:style>
+          <p:txBody>
+            <a:bodyPr rtlCol="1" anchor="ctr"/>
+            <a:lstStyle/>
+            <a:p>
+              <a:pPr algn="ctr"/>
+              <a:r>
+                <a:rPr lang="en-US" dirty="0"/>
+                <a:t>4</a:t>
+              </a:r>
+              <a:endParaRPr lang="fa-IR" dirty="0"/>
+            </a:p>
+          </p:txBody>
+        </p:sp>
+        <p:sp>
+          <p:nvSpPr>
+            <p:cNvPr id="10" name="Oval 9">
+              <a:extLst>
+                <a:ext uri="{FF2B5EF4-FFF2-40B4-BE49-F238E27FC236}">
+                  <a16:creationId xmlns:a16="http://schemas.microsoft.com/office/drawing/2014/main" id="{7F285CF3-548F-ACE9-05B3-770246C60CE8}"/>
+                </a:ext>
+              </a:extLst>
+            </p:cNvPr>
+            <p:cNvSpPr/>
+            <p:nvPr/>
+          </p:nvSpPr>
+          <p:spPr>
+            <a:xfrm>
+              <a:off x="5472751" y="2494327"/>
+              <a:ext cx="445639" cy="445639"/>
+            </a:xfrm>
+            <a:prstGeom prst="ellipse">
+              <a:avLst/>
+            </a:prstGeom>
+          </p:spPr>
+          <p:style>
+            <a:lnRef idx="2">
+              <a:schemeClr val="dk1">
+                <a:shade val="50000"/>
+              </a:schemeClr>
+            </a:lnRef>
+            <a:fillRef idx="1">
+              <a:schemeClr val="dk1"/>
+            </a:fillRef>
+            <a:effectRef idx="0">
+              <a:schemeClr val="dk1"/>
+            </a:effectRef>
+            <a:fontRef idx="minor">
+              <a:schemeClr val="lt1"/>
+            </a:fontRef>
+          </p:style>
+          <p:txBody>
+            <a:bodyPr rtlCol="1" anchor="ctr"/>
+            <a:lstStyle/>
+            <a:p>
+              <a:pPr algn="ctr"/>
+              <a:r>
+                <a:rPr lang="en-US" dirty="0"/>
+                <a:t>5</a:t>
+              </a:r>
+              <a:endParaRPr lang="fa-IR" dirty="0"/>
+            </a:p>
+          </p:txBody>
+        </p:sp>
+        <p:sp>
+          <p:nvSpPr>
+            <p:cNvPr id="11" name="Oval 10">
+              <a:extLst>
+                <a:ext uri="{FF2B5EF4-FFF2-40B4-BE49-F238E27FC236}">
+                  <a16:creationId xmlns:a16="http://schemas.microsoft.com/office/drawing/2014/main" id="{140E16D2-230A-D8C4-4363-BB70B648312D}"/>
+                </a:ext>
+              </a:extLst>
+            </p:cNvPr>
+            <p:cNvSpPr/>
+            <p:nvPr/>
+          </p:nvSpPr>
+          <p:spPr>
+            <a:xfrm>
+              <a:off x="10090431" y="4641081"/>
+              <a:ext cx="445639" cy="445639"/>
+            </a:xfrm>
+            <a:prstGeom prst="ellipse">
+              <a:avLst/>
+            </a:prstGeom>
+          </p:spPr>
+          <p:style>
+            <a:lnRef idx="2">
+              <a:schemeClr val="dk1">
+                <a:shade val="50000"/>
+              </a:schemeClr>
+            </a:lnRef>
+            <a:fillRef idx="1">
+              <a:schemeClr val="dk1"/>
+            </a:fillRef>
+            <a:effectRef idx="0">
+              <a:schemeClr val="dk1"/>
+            </a:effectRef>
+            <a:fontRef idx="minor">
+              <a:schemeClr val="lt1"/>
+            </a:fontRef>
+          </p:style>
+          <p:txBody>
+            <a:bodyPr rtlCol="1" anchor="ctr"/>
+            <a:lstStyle/>
+            <a:p>
+              <a:pPr algn="ctr"/>
+              <a:r>
+                <a:rPr lang="en-US" dirty="0"/>
+                <a:t>6</a:t>
+              </a:r>
+              <a:endParaRPr lang="fa-IR" dirty="0"/>
+            </a:p>
+          </p:txBody>
+        </p:sp>
+        <p:sp>
+          <p:nvSpPr>
+            <p:cNvPr id="12" name="Oval 11">
+              <a:extLst>
+                <a:ext uri="{FF2B5EF4-FFF2-40B4-BE49-F238E27FC236}">
+                  <a16:creationId xmlns:a16="http://schemas.microsoft.com/office/drawing/2014/main" id="{7627A300-24B2-CB50-D286-7437C44442A8}"/>
+                </a:ext>
+              </a:extLst>
+            </p:cNvPr>
+            <p:cNvSpPr/>
+            <p:nvPr/>
+          </p:nvSpPr>
+          <p:spPr>
+            <a:xfrm>
+              <a:off x="5472752" y="4641081"/>
+              <a:ext cx="445639" cy="445639"/>
+            </a:xfrm>
+            <a:prstGeom prst="ellipse">
+              <a:avLst/>
+            </a:prstGeom>
+          </p:spPr>
+          <p:style>
+            <a:lnRef idx="2">
+              <a:schemeClr val="dk1">
+                <a:shade val="50000"/>
+              </a:schemeClr>
+            </a:lnRef>
+            <a:fillRef idx="1">
+              <a:schemeClr val="dk1"/>
+            </a:fillRef>
+            <a:effectRef idx="0">
+              <a:schemeClr val="dk1"/>
+            </a:effectRef>
+            <a:fontRef idx="minor">
+              <a:schemeClr val="lt1"/>
+            </a:fontRef>
+          </p:style>
+          <p:txBody>
+            <a:bodyPr rtlCol="1" anchor="ctr"/>
+            <a:lstStyle/>
+            <a:p>
+              <a:pPr algn="ctr"/>
+              <a:r>
+                <a:rPr lang="en-US" dirty="0"/>
+                <a:t>7</a:t>
+              </a:r>
+              <a:endParaRPr lang="fa-IR" dirty="0"/>
+            </a:p>
+          </p:txBody>
+        </p:sp>
+        <p:sp>
+          <p:nvSpPr>
+            <p:cNvPr id="13" name="Oval 12">
+              <a:extLst>
+                <a:ext uri="{FF2B5EF4-FFF2-40B4-BE49-F238E27FC236}">
+                  <a16:creationId xmlns:a16="http://schemas.microsoft.com/office/drawing/2014/main" id="{D957B7AE-F9C7-5851-7AC4-026A3DF195A2}"/>
+                </a:ext>
+              </a:extLst>
+            </p:cNvPr>
+            <p:cNvSpPr/>
+            <p:nvPr/>
+          </p:nvSpPr>
+          <p:spPr>
+            <a:xfrm>
+              <a:off x="905302" y="5216564"/>
+              <a:ext cx="445639" cy="445639"/>
+            </a:xfrm>
+            <a:prstGeom prst="ellipse">
+              <a:avLst/>
+            </a:prstGeom>
+          </p:spPr>
+          <p:style>
+            <a:lnRef idx="2">
+              <a:schemeClr val="dk1">
+                <a:shade val="50000"/>
+              </a:schemeClr>
+            </a:lnRef>
+            <a:fillRef idx="1">
+              <a:schemeClr val="dk1"/>
+            </a:fillRef>
+            <a:effectRef idx="0">
+              <a:schemeClr val="dk1"/>
+            </a:effectRef>
+            <a:fontRef idx="minor">
+              <a:schemeClr val="lt1"/>
+            </a:fontRef>
+          </p:style>
+          <p:txBody>
+            <a:bodyPr rtlCol="1" anchor="ctr"/>
+            <a:lstStyle/>
+            <a:p>
+              <a:pPr algn="ctr"/>
+              <a:r>
+                <a:rPr lang="en-US" dirty="0"/>
+                <a:t>8</a:t>
+              </a:r>
+              <a:endParaRPr lang="fa-IR" dirty="0"/>
+            </a:p>
+          </p:txBody>
+        </p:sp>
+        <p:sp>
+          <p:nvSpPr>
+            <p:cNvPr id="14" name="Oval 13">
+              <a:extLst>
+                <a:ext uri="{FF2B5EF4-FFF2-40B4-BE49-F238E27FC236}">
+                  <a16:creationId xmlns:a16="http://schemas.microsoft.com/office/drawing/2014/main" id="{484F1911-F6F3-DB1C-0C2D-72E250C715B7}"/>
+                </a:ext>
+              </a:extLst>
+            </p:cNvPr>
+            <p:cNvSpPr/>
+            <p:nvPr/>
+          </p:nvSpPr>
+          <p:spPr>
+            <a:xfrm>
+              <a:off x="905302" y="4418261"/>
+              <a:ext cx="445639" cy="445639"/>
+            </a:xfrm>
+            <a:prstGeom prst="ellipse">
+              <a:avLst/>
+            </a:prstGeom>
+          </p:spPr>
+          <p:style>
+            <a:lnRef idx="2">
+              <a:schemeClr val="dk1">
+                <a:shade val="50000"/>
+              </a:schemeClr>
+            </a:lnRef>
+            <a:fillRef idx="1">
+              <a:schemeClr val="dk1"/>
+            </a:fillRef>
+            <a:effectRef idx="0">
+              <a:schemeClr val="dk1"/>
+            </a:effectRef>
+            <a:fontRef idx="minor">
+              <a:schemeClr val="lt1"/>
+            </a:fontRef>
+          </p:style>
+          <p:txBody>
+            <a:bodyPr rtlCol="1" anchor="ctr"/>
+            <a:lstStyle/>
+            <a:p>
+              <a:pPr algn="ctr"/>
+              <a:r>
+                <a:rPr lang="en-US" dirty="0"/>
+                <a:t>9</a:t>
+              </a:r>
+              <a:endParaRPr lang="fa-IR" dirty="0"/>
+            </a:p>
+          </p:txBody>
+        </p:sp>
+      </p:grpSp>
+    </p:spTree>
+    <p:extLst>
+      <p:ext uri="{BB962C8B-B14F-4D97-AF65-F5344CB8AC3E}">
+        <p14:creationId xmlns:p14="http://schemas.microsoft.com/office/powerpoint/2010/main" val="2731220861"/>
+      </p:ext>
+    </p:extLst>
+  </p:cSld>
+  <p:clrMapOvr>
+    <a:masterClrMapping/>
+  </p:clrMapOvr>
+</p:sld>
+</file>
+
 <file path=ppt/slides/slide2.xml><?xml version="1.0" encoding="utf-8"?>
 <p:sld xmlns:a="http://schemas.openxmlformats.org/drawingml/2006/main" xmlns:r="http://schemas.openxmlformats.org/officeDocument/2006/relationships" xmlns:p="http://schemas.openxmlformats.org/presentationml/2006/main">
   <p:cSld>
